--- a/4조 스프링실전프로젝트.pptx
+++ b/4조 스프링실전프로젝트.pptx
@@ -2,7 +2,7 @@
 <file path=ppt/presentation.xml><?xml version="1.0" encoding="utf-8"?>
 <p:presentation xmlns:r="http://schemas.openxmlformats.org/officeDocument/2006/relationships" xmlns:c="http://schemas.openxmlformats.org/drawingml/2006/chart" xmlns:a="http://schemas.openxmlformats.org/drawingml/2006/main" xmlns:dgm="http://schemas.openxmlformats.org/drawingml/2006/diagram" xmlns:dsp="http://schemas.microsoft.com/office/drawing/2008/diagram" xmlns:p="http://schemas.openxmlformats.org/presentationml/2006/main" strictFirstAndLastChars="0" autoCompressPictures="0">
   <p:sldMasterIdLst>
-    <p:sldMasterId id="2147483661" r:id="rId1"/>
+    <p:sldMasterId id="2147483660" r:id="rId1"/>
   </p:sldMasterIdLst>
   <p:notesMasterIdLst>
     <p:notesMasterId r:id="rId2"/>
@@ -11332,7 +11332,7 @@
 </file>
 
 <file path=ppt/slides/slide6.xml><?xml version="1.0" encoding="utf-8"?>
-<p:sld xmlns:a="http://schemas.openxmlformats.org/drawingml/2006/main" xmlns:r="http://schemas.openxmlformats.org/officeDocument/2006/relationships" xmlns:p="http://schemas.openxmlformats.org/presentationml/2006/main">
+<p:sld xmlns:r="http://schemas.openxmlformats.org/officeDocument/2006/relationships" xmlns:c="http://schemas.openxmlformats.org/drawingml/2006/chart" xmlns:a="http://schemas.openxmlformats.org/drawingml/2006/main" xmlns:dgm="http://schemas.openxmlformats.org/drawingml/2006/diagram" xmlns:dsp="http://schemas.microsoft.com/office/drawing/2008/diagram" xmlns:p="http://schemas.openxmlformats.org/presentationml/2006/main">
   <p:cSld>
     <p:spTree>
       <p:nvGrpSpPr>
@@ -11350,18 +11350,12 @@
       </p:grpSpPr>
       <p:sp>
         <p:nvSpPr>
-          <p:cNvPr id="2" name="제목 1">
-            <a:extLst>
-              <a:ext uri="{FF2B5EF4-FFF2-40B4-BE49-F238E27FC236}">
-                <a16:creationId xmlns:a16="http://schemas.microsoft.com/office/drawing/2014/main" id="{8A7ED687-8A01-4151-AB88-2CC62D82BC03}"/>
-              </a:ext>
-            </a:extLst>
-          </p:cNvPr>
+          <p:cNvPr id="2" name="제목 1"/>
           <p:cNvSpPr>
             <a:spLocks noGrp="1"/>
           </p:cNvSpPr>
           <p:nvPr>
-            <p:ph type="title"/>
+            <p:ph type="title" idx="0"/>
           </p:nvPr>
         </p:nvSpPr>
         <p:spPr/>
@@ -11371,35 +11365,32 @@
           </a:bodyPr>
           <a:lstStyle/>
           <a:p>
-            <a:r>
-              <a:rPr lang="en-US" altLang="ko-KR" dirty="0" err="1">
+            <a:pPr lvl="0">
+              <a:defRPr/>
+            </a:pPr>
+            <a:r>
+              <a:rPr lang="en-US" altLang="ko-KR">
                 <a:solidFill>
                   <a:schemeClr val="tx1"/>
                 </a:solidFill>
-                <a:latin typeface="HY헤드라인M" panose="02030600000101010101" pitchFamily="18" charset="-127"/>
-                <a:ea typeface="HY헤드라인M" panose="02030600000101010101" pitchFamily="18" charset="-127"/>
+                <a:latin typeface="HY헤드라인M"/>
+                <a:ea typeface="HY헤드라인M"/>
               </a:rPr>
               <a:t>usecase</a:t>
             </a:r>
-            <a:endParaRPr lang="ko-KR" altLang="en-US" dirty="0">
+            <a:endParaRPr lang="ko-KR" altLang="en-US">
               <a:solidFill>
                 <a:schemeClr val="tx1"/>
               </a:solidFill>
-              <a:latin typeface="HY헤드라인M" panose="02030600000101010101" pitchFamily="18" charset="-127"/>
-              <a:ea typeface="HY헤드라인M" panose="02030600000101010101" pitchFamily="18" charset="-127"/>
+              <a:latin typeface="HY헤드라인M"/>
+              <a:ea typeface="HY헤드라인M"/>
             </a:endParaRPr>
           </a:p>
         </p:txBody>
       </p:sp>
       <p:sp>
         <p:nvSpPr>
-          <p:cNvPr id="7" name="직사각형 6">
-            <a:extLst>
-              <a:ext uri="{FF2B5EF4-FFF2-40B4-BE49-F238E27FC236}">
-                <a16:creationId xmlns:a16="http://schemas.microsoft.com/office/drawing/2014/main" id="{1C541A62-C6BB-483E-BC03-D6E8DB9FA368}"/>
-              </a:ext>
-            </a:extLst>
-          </p:cNvPr>
+          <p:cNvPr id="7" name="직사각형 6"/>
           <p:cNvSpPr/>
           <p:nvPr/>
         </p:nvSpPr>
@@ -11437,19 +11428,21 @@
           </a:fontRef>
         </p:style>
         <p:txBody>
-          <a:bodyPr rtlCol="0" anchor="ctr"/>
+          <a:bodyPr anchor="ctr"/>
           <a:lstStyle/>
           <a:p>
-            <a:pPr algn="ctr"/>
-            <a:r>
-              <a:rPr lang="ko-KR" altLang="en-US" dirty="0">
+            <a:pPr algn="ctr">
+              <a:defRPr/>
+            </a:pPr>
+            <a:r>
+              <a:rPr lang="ko-KR" altLang="en-US">
                 <a:solidFill>
                   <a:schemeClr val="bg2"/>
                 </a:solidFill>
               </a:rPr>
               <a:t>회원</a:t>
             </a:r>
-            <a:endParaRPr lang="en-US" altLang="ko-KR" dirty="0">
+            <a:endParaRPr lang="en-US" altLang="ko-KR">
               <a:solidFill>
                 <a:schemeClr val="bg2"/>
               </a:solidFill>
@@ -11459,13 +11452,7 @@
       </p:sp>
       <p:sp>
         <p:nvSpPr>
-          <p:cNvPr id="8" name="직사각형 7">
-            <a:extLst>
-              <a:ext uri="{FF2B5EF4-FFF2-40B4-BE49-F238E27FC236}">
-                <a16:creationId xmlns:a16="http://schemas.microsoft.com/office/drawing/2014/main" id="{10857478-39CF-4107-A214-6298093CB629}"/>
-              </a:ext>
-            </a:extLst>
-          </p:cNvPr>
+          <p:cNvPr id="8" name="직사각형 7"/>
           <p:cNvSpPr/>
           <p:nvPr/>
         </p:nvSpPr>
@@ -11503,19 +11490,21 @@
           </a:fontRef>
         </p:style>
         <p:txBody>
-          <a:bodyPr rtlCol="0" anchor="ctr"/>
+          <a:bodyPr anchor="ctr"/>
           <a:lstStyle/>
           <a:p>
-            <a:pPr algn="ctr"/>
-            <a:r>
-              <a:rPr lang="ko-KR" altLang="en-US" sz="1200" dirty="0">
+            <a:pPr algn="ctr">
+              <a:defRPr/>
+            </a:pPr>
+            <a:r>
+              <a:rPr lang="ko-KR" altLang="en-US" sz="1200">
                 <a:solidFill>
                   <a:schemeClr val="bg2"/>
                 </a:solidFill>
               </a:rPr>
               <a:t>관리자</a:t>
             </a:r>
-            <a:endParaRPr lang="en-US" altLang="ko-KR" sz="1200" dirty="0">
+            <a:endParaRPr lang="en-US" altLang="ko-KR" sz="1200">
               <a:solidFill>
                 <a:schemeClr val="bg2"/>
               </a:solidFill>
@@ -11525,13 +11514,7 @@
       </p:sp>
       <p:sp>
         <p:nvSpPr>
-          <p:cNvPr id="9" name="직사각형 8">
-            <a:extLst>
-              <a:ext uri="{FF2B5EF4-FFF2-40B4-BE49-F238E27FC236}">
-                <a16:creationId xmlns:a16="http://schemas.microsoft.com/office/drawing/2014/main" id="{3F093B81-AB2F-40F2-82A7-F029C82C573B}"/>
-              </a:ext>
-            </a:extLst>
-          </p:cNvPr>
+          <p:cNvPr id="9" name="직사각형 8"/>
           <p:cNvSpPr/>
           <p:nvPr/>
         </p:nvSpPr>
@@ -11569,19 +11552,21 @@
           </a:fontRef>
         </p:style>
         <p:txBody>
-          <a:bodyPr rtlCol="0" anchor="ctr"/>
+          <a:bodyPr anchor="ctr"/>
           <a:lstStyle/>
           <a:p>
-            <a:pPr algn="ctr"/>
-            <a:r>
-              <a:rPr lang="ko-KR" altLang="en-US" sz="1200" dirty="0">
+            <a:pPr algn="ctr">
+              <a:defRPr/>
+            </a:pPr>
+            <a:r>
+              <a:rPr lang="ko-KR" altLang="en-US" sz="1200">
                 <a:solidFill>
                   <a:schemeClr val="bg2"/>
                 </a:solidFill>
               </a:rPr>
               <a:t>비회원</a:t>
             </a:r>
-            <a:endParaRPr lang="en-US" altLang="ko-KR" sz="1200" dirty="0">
+            <a:endParaRPr lang="en-US" altLang="ko-KR" sz="1200">
               <a:solidFill>
                 <a:schemeClr val="bg2"/>
               </a:solidFill>
@@ -11591,13 +11576,7 @@
       </p:sp>
       <p:sp>
         <p:nvSpPr>
-          <p:cNvPr id="10" name="타원 9">
-            <a:extLst>
-              <a:ext uri="{FF2B5EF4-FFF2-40B4-BE49-F238E27FC236}">
-                <a16:creationId xmlns:a16="http://schemas.microsoft.com/office/drawing/2014/main" id="{2081A76B-0330-4C79-AFD2-D049841CA2FB}"/>
-              </a:ext>
-            </a:extLst>
-          </p:cNvPr>
+          <p:cNvPr id="10" name="타원 9"/>
           <p:cNvSpPr/>
           <p:nvPr/>
         </p:nvSpPr>
@@ -11635,30 +11614,31 @@
           </a:fontRef>
         </p:style>
         <p:txBody>
-          <a:bodyPr rtlCol="0" anchor="ctr"/>
+          <a:bodyPr anchor="ctr"/>
           <a:lstStyle/>
           <a:p>
-            <a:pPr algn="ctr"/>
-            <a:r>
-              <a:rPr lang="ko-KR" altLang="en-US" sz="1100" dirty="0">
+            <a:pPr algn="ctr">
+              <a:defRPr/>
+            </a:pPr>
+            <a:r>
+              <a:rPr lang="ko-KR" altLang="en-US" sz="1100">
                 <a:solidFill>
                   <a:schemeClr val="bg2"/>
                 </a:solidFill>
               </a:rPr>
               <a:t>로그인</a:t>
             </a:r>
+            <a:endParaRPr lang="ko-KR" altLang="en-US" sz="1100">
+              <a:solidFill>
+                <a:schemeClr val="bg2"/>
+              </a:solidFill>
+            </a:endParaRPr>
           </a:p>
         </p:txBody>
       </p:sp>
       <p:sp>
         <p:nvSpPr>
-          <p:cNvPr id="11" name="타원 10">
-            <a:extLst>
-              <a:ext uri="{FF2B5EF4-FFF2-40B4-BE49-F238E27FC236}">
-                <a16:creationId xmlns:a16="http://schemas.microsoft.com/office/drawing/2014/main" id="{9B495C76-ECD8-4392-AAC2-C9905266538D}"/>
-              </a:ext>
-            </a:extLst>
-          </p:cNvPr>
+          <p:cNvPr id="11" name="타원 10"/>
           <p:cNvSpPr/>
           <p:nvPr/>
         </p:nvSpPr>
@@ -11696,30 +11676,31 @@
           </a:fontRef>
         </p:style>
         <p:txBody>
-          <a:bodyPr rtlCol="0" anchor="ctr"/>
+          <a:bodyPr anchor="ctr"/>
           <a:lstStyle/>
           <a:p>
-            <a:pPr algn="ctr"/>
-            <a:r>
-              <a:rPr lang="ko-KR" altLang="en-US" sz="1100" dirty="0">
+            <a:pPr algn="ctr">
+              <a:defRPr/>
+            </a:pPr>
+            <a:r>
+              <a:rPr lang="ko-KR" altLang="en-US" sz="1100">
                 <a:solidFill>
                   <a:schemeClr val="bg2"/>
                 </a:solidFill>
               </a:rPr>
               <a:t>회원가입</a:t>
             </a:r>
+            <a:endParaRPr lang="ko-KR" altLang="en-US" sz="1100">
+              <a:solidFill>
+                <a:schemeClr val="bg2"/>
+              </a:solidFill>
+            </a:endParaRPr>
           </a:p>
         </p:txBody>
       </p:sp>
       <p:sp>
         <p:nvSpPr>
-          <p:cNvPr id="12" name="타원 11">
-            <a:extLst>
-              <a:ext uri="{FF2B5EF4-FFF2-40B4-BE49-F238E27FC236}">
-                <a16:creationId xmlns:a16="http://schemas.microsoft.com/office/drawing/2014/main" id="{A8910B79-5978-46B4-B609-FC0DA65AC07B}"/>
-              </a:ext>
-            </a:extLst>
-          </p:cNvPr>
+          <p:cNvPr id="12" name="타원 11"/>
           <p:cNvSpPr/>
           <p:nvPr/>
         </p:nvSpPr>
@@ -11757,30 +11738,31 @@
           </a:fontRef>
         </p:style>
         <p:txBody>
-          <a:bodyPr rtlCol="0" anchor="ctr"/>
+          <a:bodyPr anchor="ctr"/>
           <a:lstStyle/>
           <a:p>
-            <a:pPr algn="ctr"/>
-            <a:r>
-              <a:rPr lang="ko-KR" altLang="en-US" sz="700" dirty="0">
+            <a:pPr algn="ctr">
+              <a:defRPr/>
+            </a:pPr>
+            <a:r>
+              <a:rPr lang="ko-KR" altLang="en-US" sz="700">
                 <a:solidFill>
                   <a:schemeClr val="bg2"/>
                 </a:solidFill>
               </a:rPr>
               <a:t>식당정보열람</a:t>
             </a:r>
+            <a:endParaRPr lang="ko-KR" altLang="en-US" sz="700">
+              <a:solidFill>
+                <a:schemeClr val="bg2"/>
+              </a:solidFill>
+            </a:endParaRPr>
           </a:p>
         </p:txBody>
       </p:sp>
       <p:sp>
         <p:nvSpPr>
-          <p:cNvPr id="16" name="타원 15">
-            <a:extLst>
-              <a:ext uri="{FF2B5EF4-FFF2-40B4-BE49-F238E27FC236}">
-                <a16:creationId xmlns:a16="http://schemas.microsoft.com/office/drawing/2014/main" id="{0FDA09FF-F8B1-4415-BD18-E213D15CB42C}"/>
-              </a:ext>
-            </a:extLst>
-          </p:cNvPr>
+          <p:cNvPr id="16" name="타원 15"/>
           <p:cNvSpPr/>
           <p:nvPr/>
         </p:nvSpPr>
@@ -11818,12 +11800,14 @@
           </a:fontRef>
         </p:style>
         <p:txBody>
-          <a:bodyPr rtlCol="0" anchor="ctr"/>
+          <a:bodyPr anchor="ctr"/>
           <a:lstStyle/>
           <a:p>
-            <a:pPr algn="ctr"/>
-            <a:r>
-              <a:rPr lang="ko-KR" altLang="en-US" sz="900" dirty="0">
+            <a:pPr algn="ctr">
+              <a:defRPr/>
+            </a:pPr>
+            <a:r>
+              <a:rPr lang="ko-KR" altLang="en-US" sz="900">
                 <a:solidFill>
                   <a:schemeClr val="bg2"/>
                 </a:solidFill>
@@ -11831,7 +11815,7 @@
               <a:t>회원정보수정 </a:t>
             </a:r>
             <a:r>
-              <a:rPr lang="en-US" altLang="ko-KR" sz="900" dirty="0">
+              <a:rPr lang="en-US" altLang="ko-KR" sz="900">
                 <a:solidFill>
                   <a:schemeClr val="bg2"/>
                 </a:solidFill>
@@ -11839,7 +11823,7 @@
               <a:t>(</a:t>
             </a:r>
             <a:r>
-              <a:rPr lang="ko-KR" altLang="en-US" sz="900" dirty="0">
+              <a:rPr lang="ko-KR" altLang="en-US" sz="900">
                 <a:solidFill>
                   <a:schemeClr val="bg2"/>
                 </a:solidFill>
@@ -11847,14 +11831,14 @@
               <a:t>탈퇴</a:t>
             </a:r>
             <a:r>
-              <a:rPr lang="en-US" altLang="ko-KR" sz="900" dirty="0">
+              <a:rPr lang="en-US" altLang="ko-KR" sz="900">
                 <a:solidFill>
                   <a:schemeClr val="bg2"/>
                 </a:solidFill>
               </a:rPr>
               <a:t>)</a:t>
             </a:r>
-            <a:endParaRPr lang="ko-KR" altLang="en-US" sz="900" dirty="0">
+            <a:endParaRPr lang="ko-KR" altLang="en-US" sz="900">
               <a:solidFill>
                 <a:schemeClr val="bg2"/>
               </a:solidFill>
@@ -11864,13 +11848,7 @@
       </p:sp>
       <p:sp>
         <p:nvSpPr>
-          <p:cNvPr id="17" name="타원 16">
-            <a:extLst>
-              <a:ext uri="{FF2B5EF4-FFF2-40B4-BE49-F238E27FC236}">
-                <a16:creationId xmlns:a16="http://schemas.microsoft.com/office/drawing/2014/main" id="{569780C9-9097-462D-8ED0-3822A2C342BA}"/>
-              </a:ext>
-            </a:extLst>
-          </p:cNvPr>
+          <p:cNvPr id="17" name="타원 16"/>
           <p:cNvSpPr/>
           <p:nvPr/>
         </p:nvSpPr>
@@ -11908,19 +11886,21 @@
           </a:fontRef>
         </p:style>
         <p:txBody>
-          <a:bodyPr rtlCol="0" anchor="ctr"/>
+          <a:bodyPr anchor="ctr"/>
           <a:lstStyle/>
           <a:p>
-            <a:pPr algn="ctr"/>
-            <a:r>
-              <a:rPr lang="ko-KR" altLang="en-US" sz="900" dirty="0" err="1">
+            <a:pPr algn="ctr">
+              <a:defRPr/>
+            </a:pPr>
+            <a:r>
+              <a:rPr lang="ko-KR" altLang="en-US" sz="900">
                 <a:solidFill>
                   <a:schemeClr val="bg2"/>
                 </a:solidFill>
               </a:rPr>
               <a:t>식당즐겨찾기</a:t>
             </a:r>
-            <a:endParaRPr lang="ko-KR" altLang="en-US" sz="900" dirty="0">
+            <a:endParaRPr lang="ko-KR" altLang="en-US" sz="900">
               <a:solidFill>
                 <a:schemeClr val="bg2"/>
               </a:solidFill>
@@ -11930,13 +11910,7 @@
       </p:sp>
       <p:sp>
         <p:nvSpPr>
-          <p:cNvPr id="18" name="타원 17">
-            <a:extLst>
-              <a:ext uri="{FF2B5EF4-FFF2-40B4-BE49-F238E27FC236}">
-                <a16:creationId xmlns:a16="http://schemas.microsoft.com/office/drawing/2014/main" id="{D80A2DC5-F436-4E62-9E9A-761FC192D848}"/>
-              </a:ext>
-            </a:extLst>
-          </p:cNvPr>
+          <p:cNvPr id="18" name="타원 17"/>
           <p:cNvSpPr/>
           <p:nvPr/>
         </p:nvSpPr>
@@ -11974,19 +11948,21 @@
           </a:fontRef>
         </p:style>
         <p:txBody>
-          <a:bodyPr rtlCol="0" anchor="ctr"/>
+          <a:bodyPr anchor="ctr"/>
           <a:lstStyle/>
           <a:p>
-            <a:pPr algn="ctr"/>
-            <a:r>
-              <a:rPr lang="ko-KR" altLang="en-US" sz="900" dirty="0">
+            <a:pPr algn="ctr">
+              <a:defRPr/>
+            </a:pPr>
+            <a:r>
+              <a:rPr lang="ko-KR" altLang="en-US" sz="900">
                 <a:solidFill>
                   <a:schemeClr val="bg2"/>
                 </a:solidFill>
               </a:rPr>
               <a:t>게시글 등록</a:t>
             </a:r>
-            <a:endParaRPr lang="en-US" altLang="ko-KR" sz="900" dirty="0">
+            <a:endParaRPr lang="en-US" altLang="ko-KR" sz="900">
               <a:solidFill>
                 <a:schemeClr val="bg2"/>
               </a:solidFill>
@@ -11996,13 +11972,7 @@
       </p:sp>
       <p:sp>
         <p:nvSpPr>
-          <p:cNvPr id="21" name="타원 20">
-            <a:extLst>
-              <a:ext uri="{FF2B5EF4-FFF2-40B4-BE49-F238E27FC236}">
-                <a16:creationId xmlns:a16="http://schemas.microsoft.com/office/drawing/2014/main" id="{F5766964-BC92-4ADC-B346-7305EF37A7DD}"/>
-              </a:ext>
-            </a:extLst>
-          </p:cNvPr>
+          <p:cNvPr id="21" name="타원 20"/>
           <p:cNvSpPr/>
           <p:nvPr/>
         </p:nvSpPr>
@@ -12040,30 +12010,31 @@
           </a:fontRef>
         </p:style>
         <p:txBody>
-          <a:bodyPr rtlCol="0" anchor="ctr"/>
+          <a:bodyPr anchor="ctr"/>
           <a:lstStyle/>
           <a:p>
-            <a:pPr algn="ctr"/>
-            <a:r>
-              <a:rPr lang="ko-KR" altLang="en-US" sz="700" dirty="0">
+            <a:pPr algn="ctr">
+              <a:defRPr/>
+            </a:pPr>
+            <a:r>
+              <a:rPr lang="ko-KR" altLang="en-US" sz="700">
                 <a:solidFill>
                   <a:schemeClr val="bg2"/>
                 </a:solidFill>
               </a:rPr>
               <a:t>게시판 열람</a:t>
             </a:r>
+            <a:endParaRPr lang="ko-KR" altLang="en-US" sz="700">
+              <a:solidFill>
+                <a:schemeClr val="bg2"/>
+              </a:solidFill>
+            </a:endParaRPr>
           </a:p>
         </p:txBody>
       </p:sp>
       <p:sp>
         <p:nvSpPr>
-          <p:cNvPr id="22" name="타원 21">
-            <a:extLst>
-              <a:ext uri="{FF2B5EF4-FFF2-40B4-BE49-F238E27FC236}">
-                <a16:creationId xmlns:a16="http://schemas.microsoft.com/office/drawing/2014/main" id="{4E7B49C6-D86D-4A32-9259-1A01EE27EE64}"/>
-              </a:ext>
-            </a:extLst>
-          </p:cNvPr>
+          <p:cNvPr id="22" name="타원 21"/>
           <p:cNvSpPr/>
           <p:nvPr/>
         </p:nvSpPr>
@@ -12101,19 +12072,21 @@
           </a:fontRef>
         </p:style>
         <p:txBody>
-          <a:bodyPr rtlCol="0" anchor="ctr"/>
+          <a:bodyPr anchor="ctr"/>
           <a:lstStyle/>
           <a:p>
-            <a:pPr algn="ctr"/>
-            <a:r>
-              <a:rPr lang="ko-KR" altLang="en-US" sz="900" dirty="0">
+            <a:pPr algn="ctr">
+              <a:defRPr/>
+            </a:pPr>
+            <a:r>
+              <a:rPr lang="ko-KR" altLang="en-US" sz="900">
                 <a:solidFill>
                   <a:schemeClr val="bg2"/>
                 </a:solidFill>
               </a:rPr>
               <a:t>댓글 등록</a:t>
             </a:r>
-            <a:endParaRPr lang="en-US" altLang="ko-KR" sz="900" dirty="0">
+            <a:endParaRPr lang="en-US" altLang="ko-KR" sz="900">
               <a:solidFill>
                 <a:schemeClr val="bg2"/>
               </a:solidFill>
@@ -12123,13 +12096,7 @@
       </p:sp>
       <p:sp>
         <p:nvSpPr>
-          <p:cNvPr id="23" name="타원 22">
-            <a:extLst>
-              <a:ext uri="{FF2B5EF4-FFF2-40B4-BE49-F238E27FC236}">
-                <a16:creationId xmlns:a16="http://schemas.microsoft.com/office/drawing/2014/main" id="{6FA4716F-05C8-4FB3-B6B4-29A230972D03}"/>
-              </a:ext>
-            </a:extLst>
-          </p:cNvPr>
+          <p:cNvPr id="23" name="타원 22"/>
           <p:cNvSpPr/>
           <p:nvPr/>
         </p:nvSpPr>
@@ -12167,30 +12134,31 @@
           </a:fontRef>
         </p:style>
         <p:txBody>
-          <a:bodyPr rtlCol="0" anchor="ctr"/>
+          <a:bodyPr anchor="ctr"/>
           <a:lstStyle/>
           <a:p>
-            <a:pPr algn="ctr"/>
-            <a:r>
-              <a:rPr lang="ko-KR" altLang="en-US" sz="1000" dirty="0">
+            <a:pPr algn="ctr">
+              <a:defRPr/>
+            </a:pPr>
+            <a:r>
+              <a:rPr lang="ko-KR" altLang="en-US" sz="1000">
                 <a:solidFill>
                   <a:schemeClr val="bg2"/>
                 </a:solidFill>
               </a:rPr>
               <a:t>회원관리</a:t>
             </a:r>
+            <a:endParaRPr lang="ko-KR" altLang="en-US" sz="1000">
+              <a:solidFill>
+                <a:schemeClr val="bg2"/>
+              </a:solidFill>
+            </a:endParaRPr>
           </a:p>
         </p:txBody>
       </p:sp>
       <p:sp>
         <p:nvSpPr>
-          <p:cNvPr id="24" name="타원 23">
-            <a:extLst>
-              <a:ext uri="{FF2B5EF4-FFF2-40B4-BE49-F238E27FC236}">
-                <a16:creationId xmlns:a16="http://schemas.microsoft.com/office/drawing/2014/main" id="{ACE40821-613A-4606-AFB0-FCF319142952}"/>
-              </a:ext>
-            </a:extLst>
-          </p:cNvPr>
+          <p:cNvPr id="24" name="타원 23"/>
           <p:cNvSpPr/>
           <p:nvPr/>
         </p:nvSpPr>
@@ -12228,30 +12196,31 @@
           </a:fontRef>
         </p:style>
         <p:txBody>
-          <a:bodyPr rtlCol="0" anchor="ctr"/>
+          <a:bodyPr anchor="ctr"/>
           <a:lstStyle/>
           <a:p>
-            <a:pPr algn="ctr"/>
-            <a:r>
-              <a:rPr lang="ko-KR" altLang="en-US" sz="1000" dirty="0">
+            <a:pPr algn="ctr">
+              <a:defRPr/>
+            </a:pPr>
+            <a:r>
+              <a:rPr lang="ko-KR" altLang="en-US" sz="1000">
                 <a:solidFill>
                   <a:schemeClr val="bg2"/>
                 </a:solidFill>
               </a:rPr>
               <a:t>식당관리</a:t>
             </a:r>
+            <a:endParaRPr lang="ko-KR" altLang="en-US" sz="1000">
+              <a:solidFill>
+                <a:schemeClr val="bg2"/>
+              </a:solidFill>
+            </a:endParaRPr>
           </a:p>
         </p:txBody>
       </p:sp>
       <p:sp>
         <p:nvSpPr>
-          <p:cNvPr id="25" name="타원 24">
-            <a:extLst>
-              <a:ext uri="{FF2B5EF4-FFF2-40B4-BE49-F238E27FC236}">
-                <a16:creationId xmlns:a16="http://schemas.microsoft.com/office/drawing/2014/main" id="{A06077A9-75FD-44FF-B878-4A04D3151E29}"/>
-              </a:ext>
-            </a:extLst>
-          </p:cNvPr>
+          <p:cNvPr id="25" name="타원 24"/>
           <p:cNvSpPr/>
           <p:nvPr/>
         </p:nvSpPr>
@@ -12289,19 +12258,21 @@
           </a:fontRef>
         </p:style>
         <p:txBody>
-          <a:bodyPr rtlCol="0" anchor="ctr"/>
+          <a:bodyPr anchor="ctr"/>
           <a:lstStyle/>
           <a:p>
-            <a:pPr algn="ctr"/>
-            <a:r>
-              <a:rPr lang="ko-KR" altLang="en-US" sz="900" dirty="0">
+            <a:pPr algn="ctr">
+              <a:defRPr/>
+            </a:pPr>
+            <a:r>
+              <a:rPr lang="ko-KR" altLang="en-US" sz="900">
                 <a:solidFill>
                   <a:schemeClr val="bg2"/>
                 </a:solidFill>
               </a:rPr>
               <a:t>게시판 관리</a:t>
             </a:r>
-            <a:endParaRPr lang="en-US" altLang="ko-KR" sz="900" dirty="0">
+            <a:endParaRPr lang="en-US" altLang="ko-KR" sz="900">
               <a:solidFill>
                 <a:schemeClr val="bg2"/>
               </a:solidFill>
@@ -12311,13 +12282,7 @@
       </p:sp>
       <p:sp>
         <p:nvSpPr>
-          <p:cNvPr id="26" name="타원 25">
-            <a:extLst>
-              <a:ext uri="{FF2B5EF4-FFF2-40B4-BE49-F238E27FC236}">
-                <a16:creationId xmlns:a16="http://schemas.microsoft.com/office/drawing/2014/main" id="{79FCD571-A37F-4424-8289-EC507BF3346F}"/>
-              </a:ext>
-            </a:extLst>
-          </p:cNvPr>
+          <p:cNvPr id="26" name="타원 25"/>
           <p:cNvSpPr/>
           <p:nvPr/>
         </p:nvSpPr>
@@ -12355,19 +12320,21 @@
           </a:fontRef>
         </p:style>
         <p:txBody>
-          <a:bodyPr rtlCol="0" anchor="ctr"/>
+          <a:bodyPr anchor="ctr"/>
           <a:lstStyle/>
           <a:p>
-            <a:pPr algn="ctr"/>
-            <a:r>
-              <a:rPr lang="ko-KR" altLang="en-US" sz="900" dirty="0">
+            <a:pPr algn="ctr">
+              <a:defRPr/>
+            </a:pPr>
+            <a:r>
+              <a:rPr lang="ko-KR" altLang="en-US" sz="900">
                 <a:solidFill>
                   <a:schemeClr val="bg2"/>
                 </a:solidFill>
               </a:rPr>
               <a:t>댓글 관리</a:t>
             </a:r>
-            <a:endParaRPr lang="en-US" altLang="ko-KR" sz="900" dirty="0">
+            <a:endParaRPr lang="en-US" altLang="ko-KR" sz="900">
               <a:solidFill>
                 <a:schemeClr val="bg2"/>
               </a:solidFill>
@@ -12377,13 +12344,7 @@
       </p:sp>
       <p:cxnSp>
         <p:nvCxnSpPr>
-          <p:cNvPr id="28" name="직선 연결선 27">
-            <a:extLst>
-              <a:ext uri="{FF2B5EF4-FFF2-40B4-BE49-F238E27FC236}">
-                <a16:creationId xmlns:a16="http://schemas.microsoft.com/office/drawing/2014/main" id="{84D7B4C3-37DB-4289-888B-35BED154B280}"/>
-              </a:ext>
-            </a:extLst>
-          </p:cNvPr>
+          <p:cNvPr id="28" name="직선 연결선 27"/>
           <p:cNvCxnSpPr>
             <a:stCxn id="7" idx="2"/>
             <a:endCxn id="9" idx="0"/>
@@ -12421,13 +12382,7 @@
       </p:cxnSp>
       <p:cxnSp>
         <p:nvCxnSpPr>
-          <p:cNvPr id="30" name="직선 연결선 29">
-            <a:extLst>
-              <a:ext uri="{FF2B5EF4-FFF2-40B4-BE49-F238E27FC236}">
-                <a16:creationId xmlns:a16="http://schemas.microsoft.com/office/drawing/2014/main" id="{42DB39FE-8BA1-44E2-9E8E-5A61092A000B}"/>
-              </a:ext>
-            </a:extLst>
-          </p:cNvPr>
+          <p:cNvPr id="30" name="직선 연결선 29"/>
           <p:cNvCxnSpPr>
             <a:stCxn id="12" idx="6"/>
           </p:cNvCxnSpPr>
@@ -12459,13 +12414,7 @@
       </p:cxnSp>
       <p:cxnSp>
         <p:nvCxnSpPr>
-          <p:cNvPr id="36" name="직선 연결선 35">
-            <a:extLst>
-              <a:ext uri="{FF2B5EF4-FFF2-40B4-BE49-F238E27FC236}">
-                <a16:creationId xmlns:a16="http://schemas.microsoft.com/office/drawing/2014/main" id="{5555E382-B151-4B78-9D7D-49A24B205DFE}"/>
-              </a:ext>
-            </a:extLst>
-          </p:cNvPr>
+          <p:cNvPr id="36" name="직선 연결선 35"/>
           <p:cNvCxnSpPr>
             <a:stCxn id="11" idx="6"/>
           </p:cNvCxnSpPr>
@@ -12497,13 +12446,7 @@
       </p:cxnSp>
       <p:cxnSp>
         <p:nvCxnSpPr>
-          <p:cNvPr id="42" name="직선 연결선 41">
-            <a:extLst>
-              <a:ext uri="{FF2B5EF4-FFF2-40B4-BE49-F238E27FC236}">
-                <a16:creationId xmlns:a16="http://schemas.microsoft.com/office/drawing/2014/main" id="{66B75D13-B240-4A06-A751-A2CE9434334D}"/>
-              </a:ext>
-            </a:extLst>
-          </p:cNvPr>
+          <p:cNvPr id="42" name="직선 연결선 41"/>
           <p:cNvCxnSpPr/>
           <p:nvPr/>
         </p:nvCxnSpPr>
@@ -12533,13 +12476,7 @@
       </p:cxnSp>
       <p:cxnSp>
         <p:nvCxnSpPr>
-          <p:cNvPr id="44" name="직선 연결선 43">
-            <a:extLst>
-              <a:ext uri="{FF2B5EF4-FFF2-40B4-BE49-F238E27FC236}">
-                <a16:creationId xmlns:a16="http://schemas.microsoft.com/office/drawing/2014/main" id="{054F77FA-02C4-4162-87B7-CFDFF55C7FC2}"/>
-              </a:ext>
-            </a:extLst>
-          </p:cNvPr>
+          <p:cNvPr id="44" name="직선 연결선 43"/>
           <p:cNvCxnSpPr>
             <a:stCxn id="21" idx="6"/>
           </p:cNvCxnSpPr>
@@ -12571,13 +12508,7 @@
       </p:cxnSp>
       <p:cxnSp>
         <p:nvCxnSpPr>
-          <p:cNvPr id="46" name="직선 연결선 45">
-            <a:extLst>
-              <a:ext uri="{FF2B5EF4-FFF2-40B4-BE49-F238E27FC236}">
-                <a16:creationId xmlns:a16="http://schemas.microsoft.com/office/drawing/2014/main" id="{A1D7F67C-0D43-4B42-B672-F764FA479B9A}"/>
-              </a:ext>
-            </a:extLst>
-          </p:cNvPr>
+          <p:cNvPr id="46" name="직선 연결선 45"/>
           <p:cNvCxnSpPr>
             <a:stCxn id="7" idx="3"/>
             <a:endCxn id="16" idx="2"/>
@@ -12610,13 +12541,7 @@
       </p:cxnSp>
       <p:cxnSp>
         <p:nvCxnSpPr>
-          <p:cNvPr id="48" name="직선 연결선 47">
-            <a:extLst>
-              <a:ext uri="{FF2B5EF4-FFF2-40B4-BE49-F238E27FC236}">
-                <a16:creationId xmlns:a16="http://schemas.microsoft.com/office/drawing/2014/main" id="{6D639F8C-16B6-4B10-A405-3C671850799B}"/>
-              </a:ext>
-            </a:extLst>
-          </p:cNvPr>
+          <p:cNvPr id="48" name="직선 연결선 47"/>
           <p:cNvCxnSpPr>
             <a:stCxn id="7" idx="3"/>
             <a:endCxn id="17" idx="2"/>
@@ -12649,13 +12574,7 @@
       </p:cxnSp>
       <p:cxnSp>
         <p:nvCxnSpPr>
-          <p:cNvPr id="50" name="직선 연결선 49">
-            <a:extLst>
-              <a:ext uri="{FF2B5EF4-FFF2-40B4-BE49-F238E27FC236}">
-                <a16:creationId xmlns:a16="http://schemas.microsoft.com/office/drawing/2014/main" id="{20C4EFC5-0926-4A27-B864-93CC901B9057}"/>
-              </a:ext>
-            </a:extLst>
-          </p:cNvPr>
+          <p:cNvPr id="50" name="직선 연결선 49"/>
           <p:cNvCxnSpPr>
             <a:stCxn id="7" idx="3"/>
             <a:endCxn id="18" idx="2"/>
@@ -12688,13 +12607,7 @@
       </p:cxnSp>
       <p:cxnSp>
         <p:nvCxnSpPr>
-          <p:cNvPr id="52" name="직선 연결선 51">
-            <a:extLst>
-              <a:ext uri="{FF2B5EF4-FFF2-40B4-BE49-F238E27FC236}">
-                <a16:creationId xmlns:a16="http://schemas.microsoft.com/office/drawing/2014/main" id="{D3D42A62-6989-4D51-A4D6-322DEABB30D2}"/>
-              </a:ext>
-            </a:extLst>
-          </p:cNvPr>
+          <p:cNvPr id="52" name="직선 연결선 51"/>
           <p:cNvCxnSpPr>
             <a:stCxn id="7" idx="3"/>
             <a:endCxn id="22" idx="2"/>
@@ -12727,13 +12640,7 @@
       </p:cxnSp>
       <p:cxnSp>
         <p:nvCxnSpPr>
-          <p:cNvPr id="54" name="직선 연결선 53">
-            <a:extLst>
-              <a:ext uri="{FF2B5EF4-FFF2-40B4-BE49-F238E27FC236}">
-                <a16:creationId xmlns:a16="http://schemas.microsoft.com/office/drawing/2014/main" id="{82157160-76E1-42EE-8BAC-E2AF7AEA674A}"/>
-              </a:ext>
-            </a:extLst>
-          </p:cNvPr>
+          <p:cNvPr id="54" name="직선 연결선 53"/>
           <p:cNvCxnSpPr>
             <a:stCxn id="16" idx="6"/>
             <a:endCxn id="10" idx="2"/>
@@ -12766,13 +12673,7 @@
       </p:cxnSp>
       <p:cxnSp>
         <p:nvCxnSpPr>
-          <p:cNvPr id="56" name="직선 연결선 55">
-            <a:extLst>
-              <a:ext uri="{FF2B5EF4-FFF2-40B4-BE49-F238E27FC236}">
-                <a16:creationId xmlns:a16="http://schemas.microsoft.com/office/drawing/2014/main" id="{5A185C79-CD80-4301-9BB1-9415084080D3}"/>
-              </a:ext>
-            </a:extLst>
-          </p:cNvPr>
+          <p:cNvPr id="56" name="직선 연결선 55"/>
           <p:cNvCxnSpPr>
             <a:stCxn id="17" idx="6"/>
             <a:endCxn id="10" idx="2"/>
@@ -12805,13 +12706,7 @@
       </p:cxnSp>
       <p:cxnSp>
         <p:nvCxnSpPr>
-          <p:cNvPr id="58" name="직선 연결선 57">
-            <a:extLst>
-              <a:ext uri="{FF2B5EF4-FFF2-40B4-BE49-F238E27FC236}">
-                <a16:creationId xmlns:a16="http://schemas.microsoft.com/office/drawing/2014/main" id="{CBBF8CB1-3832-48DB-B1BF-067C29054996}"/>
-              </a:ext>
-            </a:extLst>
-          </p:cNvPr>
+          <p:cNvPr id="58" name="직선 연결선 57"/>
           <p:cNvCxnSpPr>
             <a:stCxn id="18" idx="6"/>
             <a:endCxn id="10" idx="2"/>
@@ -12844,13 +12739,7 @@
       </p:cxnSp>
       <p:cxnSp>
         <p:nvCxnSpPr>
-          <p:cNvPr id="60" name="직선 연결선 59">
-            <a:extLst>
-              <a:ext uri="{FF2B5EF4-FFF2-40B4-BE49-F238E27FC236}">
-                <a16:creationId xmlns:a16="http://schemas.microsoft.com/office/drawing/2014/main" id="{044BA790-DC1C-418E-9310-82C5603BF7FD}"/>
-              </a:ext>
-            </a:extLst>
-          </p:cNvPr>
+          <p:cNvPr id="60" name="직선 연결선 59"/>
           <p:cNvCxnSpPr>
             <a:stCxn id="22" idx="6"/>
             <a:endCxn id="10" idx="2"/>
@@ -12883,13 +12772,7 @@
       </p:cxnSp>
       <p:cxnSp>
         <p:nvCxnSpPr>
-          <p:cNvPr id="62" name="직선 연결선 61">
-            <a:extLst>
-              <a:ext uri="{FF2B5EF4-FFF2-40B4-BE49-F238E27FC236}">
-                <a16:creationId xmlns:a16="http://schemas.microsoft.com/office/drawing/2014/main" id="{F25C653A-F957-49E1-A805-887F8A7CBB79}"/>
-              </a:ext>
-            </a:extLst>
-          </p:cNvPr>
+          <p:cNvPr id="62" name="직선 연결선 61"/>
           <p:cNvCxnSpPr>
             <a:stCxn id="10" idx="6"/>
             <a:endCxn id="23" idx="2"/>
@@ -12922,13 +12805,7 @@
       </p:cxnSp>
       <p:cxnSp>
         <p:nvCxnSpPr>
-          <p:cNvPr id="64" name="직선 연결선 63">
-            <a:extLst>
-              <a:ext uri="{FF2B5EF4-FFF2-40B4-BE49-F238E27FC236}">
-                <a16:creationId xmlns:a16="http://schemas.microsoft.com/office/drawing/2014/main" id="{7E1B9EE4-09EF-4BC4-B72C-5B76FE5DCF4D}"/>
-              </a:ext>
-            </a:extLst>
-          </p:cNvPr>
+          <p:cNvPr id="64" name="직선 연결선 63"/>
           <p:cNvCxnSpPr>
             <a:stCxn id="10" idx="6"/>
             <a:endCxn id="24" idx="2"/>
@@ -12961,13 +12838,7 @@
       </p:cxnSp>
       <p:cxnSp>
         <p:nvCxnSpPr>
-          <p:cNvPr id="66" name="직선 연결선 65">
-            <a:extLst>
-              <a:ext uri="{FF2B5EF4-FFF2-40B4-BE49-F238E27FC236}">
-                <a16:creationId xmlns:a16="http://schemas.microsoft.com/office/drawing/2014/main" id="{9F1BEDAF-82AE-4378-A80E-91F246DDA0B6}"/>
-              </a:ext>
-            </a:extLst>
-          </p:cNvPr>
+          <p:cNvPr id="66" name="직선 연결선 65"/>
           <p:cNvCxnSpPr>
             <a:stCxn id="10" idx="6"/>
             <a:endCxn id="25" idx="2"/>
@@ -13000,13 +12871,7 @@
       </p:cxnSp>
       <p:cxnSp>
         <p:nvCxnSpPr>
-          <p:cNvPr id="68" name="직선 연결선 67">
-            <a:extLst>
-              <a:ext uri="{FF2B5EF4-FFF2-40B4-BE49-F238E27FC236}">
-                <a16:creationId xmlns:a16="http://schemas.microsoft.com/office/drawing/2014/main" id="{9B508395-D54A-4B70-9C8C-93C3FD05B1AB}"/>
-              </a:ext>
-            </a:extLst>
-          </p:cNvPr>
+          <p:cNvPr id="68" name="직선 연결선 67"/>
           <p:cNvCxnSpPr>
             <a:stCxn id="10" idx="6"/>
             <a:endCxn id="26" idx="2"/>
@@ -13039,13 +12904,7 @@
       </p:cxnSp>
       <p:cxnSp>
         <p:nvCxnSpPr>
-          <p:cNvPr id="70" name="직선 연결선 69">
-            <a:extLst>
-              <a:ext uri="{FF2B5EF4-FFF2-40B4-BE49-F238E27FC236}">
-                <a16:creationId xmlns:a16="http://schemas.microsoft.com/office/drawing/2014/main" id="{77A53698-9887-4462-87F3-32B1C54D048E}"/>
-              </a:ext>
-            </a:extLst>
-          </p:cNvPr>
+          <p:cNvPr id="70" name="직선 연결선 69"/>
           <p:cNvCxnSpPr>
             <a:stCxn id="23" idx="6"/>
             <a:endCxn id="8" idx="1"/>
@@ -13078,13 +12937,7 @@
       </p:cxnSp>
       <p:cxnSp>
         <p:nvCxnSpPr>
-          <p:cNvPr id="72" name="직선 연결선 71">
-            <a:extLst>
-              <a:ext uri="{FF2B5EF4-FFF2-40B4-BE49-F238E27FC236}">
-                <a16:creationId xmlns:a16="http://schemas.microsoft.com/office/drawing/2014/main" id="{3053DED3-4C23-4EBB-9467-5E0386E8C7F8}"/>
-              </a:ext>
-            </a:extLst>
-          </p:cNvPr>
+          <p:cNvPr id="72" name="직선 연결선 71"/>
           <p:cNvCxnSpPr>
             <a:stCxn id="24" idx="6"/>
             <a:endCxn id="8" idx="1"/>
@@ -13117,13 +12970,7 @@
       </p:cxnSp>
       <p:cxnSp>
         <p:nvCxnSpPr>
-          <p:cNvPr id="74" name="직선 연결선 73">
-            <a:extLst>
-              <a:ext uri="{FF2B5EF4-FFF2-40B4-BE49-F238E27FC236}">
-                <a16:creationId xmlns:a16="http://schemas.microsoft.com/office/drawing/2014/main" id="{C0A503FB-11B9-4C75-8C0B-314035AC0A2E}"/>
-              </a:ext>
-            </a:extLst>
-          </p:cNvPr>
+          <p:cNvPr id="74" name="직선 연결선 73"/>
           <p:cNvCxnSpPr>
             <a:stCxn id="25" idx="6"/>
             <a:endCxn id="8" idx="1"/>
@@ -13156,13 +13003,7 @@
       </p:cxnSp>
       <p:cxnSp>
         <p:nvCxnSpPr>
-          <p:cNvPr id="76" name="직선 연결선 75">
-            <a:extLst>
-              <a:ext uri="{FF2B5EF4-FFF2-40B4-BE49-F238E27FC236}">
-                <a16:creationId xmlns:a16="http://schemas.microsoft.com/office/drawing/2014/main" id="{DF5B5BDA-F838-4BA0-ADCB-6A4775627351}"/>
-              </a:ext>
-            </a:extLst>
-          </p:cNvPr>
+          <p:cNvPr id="76" name="직선 연결선 75"/>
           <p:cNvCxnSpPr>
             <a:stCxn id="26" idx="6"/>
             <a:endCxn id="8" idx="1"/>
@@ -13194,15 +13035,18 @@
         </p:style>
       </p:cxnSp>
     </p:spTree>
-    <p:extLst>
-      <p:ext uri="{BB962C8B-B14F-4D97-AF65-F5344CB8AC3E}">
-        <p14:creationId xmlns:p14="http://schemas.microsoft.com/office/powerpoint/2010/main" val="2450150805"/>
-      </p:ext>
-    </p:extLst>
   </p:cSld>
   <p:clrMapOvr>
     <a:masterClrMapping/>
   </p:clrMapOvr>
+  <mc:AlternateContent xmlns:mc="http://schemas.openxmlformats.org/markup-compatibility/2006">
+    <mc:Choice xmlns:p14="http://schemas.microsoft.com/office/powerpoint/2010/main" Requires="p14">
+      <p:transition xmlns:mc="http://schemas.openxmlformats.org/markup-compatibility/2006" xmlns:p14="http://schemas.microsoft.com/office/powerpoint/2010/main" mc:Ignorable="p14" p14:dur="500"/>
+    </mc:Choice>
+    <mc:Fallback>
+      <p:transition/>
+    </mc:Fallback>
+  </mc:AlternateContent>
 </p:sld>
 </file>
 
